--- a/paper/Term Paper-Meghna.pptx
+++ b/paper/Term Paper-Meghna.pptx
@@ -175,6 +175,13 @@
             <a:schemeClr val="lt1"/>
           </a:fontRef>
         </p:style>
+        <p:txBody>
+          <a:bodyPr/>
+          <a:lstStyle/>
+          <a:p>
+            <a:endParaRPr lang="en-IN"/>
+          </a:p>
+        </p:txBody>
       </p:sp>
       <p:sp>
         <p:nvSpPr>
@@ -367,7 +374,7 @@
           <a:p>
             <a:fld id="{F506DD16-935B-4432-BF72-AEFCDAEDDA12}" type="datetimeFigureOut">
               <a:rPr lang="en-IN" smtClean="0"/>
-              <a:t>08-12-2025</a:t>
+              <a:t>12-12-2025</a:t>
             </a:fld>
             <a:endParaRPr lang="en-IN"/>
           </a:p>
@@ -515,6 +522,13 @@
             <a:schemeClr val="lt1"/>
           </a:fontRef>
         </p:style>
+        <p:txBody>
+          <a:bodyPr/>
+          <a:lstStyle/>
+          <a:p>
+            <a:endParaRPr lang="en-IN"/>
+          </a:p>
+        </p:txBody>
       </p:sp>
       <p:sp>
         <p:nvSpPr>
@@ -629,7 +643,7 @@
           <a:p>
             <a:fld id="{F506DD16-935B-4432-BF72-AEFCDAEDDA12}" type="datetimeFigureOut">
               <a:rPr lang="en-IN" smtClean="0"/>
-              <a:t>08-12-2025</a:t>
+              <a:t>12-12-2025</a:t>
             </a:fld>
             <a:endParaRPr lang="en-IN"/>
           </a:p>
@@ -745,6 +759,13 @@
             <a:schemeClr val="lt1"/>
           </a:fontRef>
         </p:style>
+        <p:txBody>
+          <a:bodyPr/>
+          <a:lstStyle/>
+          <a:p>
+            <a:endParaRPr lang="en-IN"/>
+          </a:p>
+        </p:txBody>
       </p:sp>
       <p:sp>
         <p:nvSpPr>
@@ -864,7 +885,7 @@
           <a:p>
             <a:fld id="{F506DD16-935B-4432-BF72-AEFCDAEDDA12}" type="datetimeFigureOut">
               <a:rPr lang="en-IN" smtClean="0"/>
-              <a:t>08-12-2025</a:t>
+              <a:t>12-12-2025</a:t>
             </a:fld>
             <a:endParaRPr lang="en-IN"/>
           </a:p>
@@ -1001,6 +1022,13 @@
             <a:schemeClr val="lt1"/>
           </a:fontRef>
         </p:style>
+        <p:txBody>
+          <a:bodyPr/>
+          <a:lstStyle/>
+          <a:p>
+            <a:endParaRPr lang="en-IN"/>
+          </a:p>
+        </p:txBody>
       </p:sp>
       <p:sp>
         <p:nvSpPr>
@@ -1104,7 +1132,7 @@
           <a:p>
             <a:fld id="{F506DD16-935B-4432-BF72-AEFCDAEDDA12}" type="datetimeFigureOut">
               <a:rPr lang="en-IN" smtClean="0"/>
-              <a:t>08-12-2025</a:t>
+              <a:t>12-12-2025</a:t>
             </a:fld>
             <a:endParaRPr lang="en-IN"/>
           </a:p>
@@ -1225,6 +1253,13 @@
             <a:schemeClr val="lt1"/>
           </a:fontRef>
         </p:style>
+        <p:txBody>
+          <a:bodyPr/>
+          <a:lstStyle/>
+          <a:p>
+            <a:endParaRPr lang="en-IN"/>
+          </a:p>
+        </p:txBody>
       </p:sp>
       <p:sp>
         <p:nvSpPr>
@@ -1411,7 +1446,7 @@
           <a:p>
             <a:fld id="{F506DD16-935B-4432-BF72-AEFCDAEDDA12}" type="datetimeFigureOut">
               <a:rPr lang="en-IN" smtClean="0"/>
-              <a:t>08-12-2025</a:t>
+              <a:t>12-12-2025</a:t>
             </a:fld>
             <a:endParaRPr lang="en-IN"/>
           </a:p>
@@ -1549,6 +1584,13 @@
             <a:schemeClr val="lt1"/>
           </a:fontRef>
         </p:style>
+        <p:txBody>
+          <a:bodyPr/>
+          <a:lstStyle/>
+          <a:p>
+            <a:endParaRPr lang="en-IN"/>
+          </a:p>
+        </p:txBody>
       </p:sp>
       <p:sp>
         <p:nvSpPr>
@@ -1713,7 +1755,7 @@
           <a:p>
             <a:fld id="{F506DD16-935B-4432-BF72-AEFCDAEDDA12}" type="datetimeFigureOut">
               <a:rPr lang="en-IN" smtClean="0"/>
-              <a:t>08-12-2025</a:t>
+              <a:t>12-12-2025</a:t>
             </a:fld>
             <a:endParaRPr lang="en-IN"/>
           </a:p>
@@ -1829,6 +1871,13 @@
             <a:schemeClr val="lt1"/>
           </a:fontRef>
         </p:style>
+        <p:txBody>
+          <a:bodyPr/>
+          <a:lstStyle/>
+          <a:p>
+            <a:endParaRPr lang="en-IN"/>
+          </a:p>
+        </p:txBody>
       </p:sp>
       <p:sp>
         <p:nvSpPr>
@@ -2135,7 +2184,7 @@
           <a:p>
             <a:fld id="{F506DD16-935B-4432-BF72-AEFCDAEDDA12}" type="datetimeFigureOut">
               <a:rPr lang="en-IN" smtClean="0"/>
-              <a:t>08-12-2025</a:t>
+              <a:t>12-12-2025</a:t>
             </a:fld>
             <a:endParaRPr lang="en-IN"/>
           </a:p>
@@ -2251,6 +2300,13 @@
             <a:schemeClr val="lt1"/>
           </a:fontRef>
         </p:style>
+        <p:txBody>
+          <a:bodyPr/>
+          <a:lstStyle/>
+          <a:p>
+            <a:endParaRPr lang="en-IN"/>
+          </a:p>
+        </p:txBody>
       </p:sp>
       <p:sp>
         <p:nvSpPr>
@@ -2297,7 +2353,7 @@
           <a:p>
             <a:fld id="{F506DD16-935B-4432-BF72-AEFCDAEDDA12}" type="datetimeFigureOut">
               <a:rPr lang="en-IN" smtClean="0"/>
-              <a:t>08-12-2025</a:t>
+              <a:t>12-12-2025</a:t>
             </a:fld>
             <a:endParaRPr lang="en-IN"/>
           </a:p>
@@ -2392,7 +2448,7 @@
           <a:p>
             <a:fld id="{F506DD16-935B-4432-BF72-AEFCDAEDDA12}" type="datetimeFigureOut">
               <a:rPr lang="en-IN" smtClean="0"/>
-              <a:t>08-12-2025</a:t>
+              <a:t>12-12-2025</a:t>
             </a:fld>
             <a:endParaRPr lang="en-IN"/>
           </a:p>
@@ -2508,6 +2564,13 @@
             <a:schemeClr val="lt1"/>
           </a:fontRef>
         </p:style>
+        <p:txBody>
+          <a:bodyPr/>
+          <a:lstStyle/>
+          <a:p>
+            <a:endParaRPr lang="en-IN"/>
+          </a:p>
+        </p:txBody>
       </p:sp>
       <p:sp>
         <p:nvSpPr>
@@ -2770,7 +2833,7 @@
           <a:p>
             <a:fld id="{F506DD16-935B-4432-BF72-AEFCDAEDDA12}" type="datetimeFigureOut">
               <a:rPr lang="en-IN" smtClean="0"/>
-              <a:t>08-12-2025</a:t>
+              <a:t>12-12-2025</a:t>
             </a:fld>
             <a:endParaRPr lang="en-IN"/>
           </a:p>
@@ -3059,7 +3122,7 @@
           <a:p>
             <a:fld id="{F506DD16-935B-4432-BF72-AEFCDAEDDA12}" type="datetimeFigureOut">
               <a:rPr lang="en-IN" smtClean="0"/>
-              <a:t>08-12-2025</a:t>
+              <a:t>12-12-2025</a:t>
             </a:fld>
             <a:endParaRPr lang="en-IN"/>
           </a:p>
@@ -3270,7 +3333,7 @@
           <a:p>
             <a:fld id="{F506DD16-935B-4432-BF72-AEFCDAEDDA12}" type="datetimeFigureOut">
               <a:rPr lang="en-IN" smtClean="0"/>
-              <a:t>08-12-2025</a:t>
+              <a:t>12-12-2025</a:t>
             </a:fld>
             <a:endParaRPr lang="en-IN"/>
           </a:p>
@@ -3386,6 +3449,13 @@
             <a:schemeClr val="lt1"/>
           </a:fontRef>
         </p:style>
+        <p:txBody>
+          <a:bodyPr/>
+          <a:lstStyle/>
+          <a:p>
+            <a:endParaRPr lang="en-IN"/>
+          </a:p>
+        </p:txBody>
       </p:sp>
       <p:sp>
         <p:nvSpPr>
@@ -3423,6 +3493,13 @@
             <a:schemeClr val="lt1"/>
           </a:fontRef>
         </p:style>
+        <p:txBody>
+          <a:bodyPr/>
+          <a:lstStyle/>
+          <a:p>
+            <a:endParaRPr lang="en-IN"/>
+          </a:p>
+        </p:txBody>
       </p:sp>
       <p:sp>
         <p:nvSpPr>
@@ -3460,6 +3537,13 @@
             <a:schemeClr val="lt1"/>
           </a:fontRef>
         </p:style>
+        <p:txBody>
+          <a:bodyPr/>
+          <a:lstStyle/>
+          <a:p>
+            <a:endParaRPr lang="en-IN"/>
+          </a:p>
+        </p:txBody>
       </p:sp>
     </p:spTree>
     <p:extLst>
@@ -4039,16 +4123,10 @@
               <a:t>β0​+β1​⋅</a:t>
             </a:r>
             <a:r>
-              <a:rPr lang="en-IN" sz="1700" dirty="0" err="1">
-                <a:latin typeface="Aptos" panose="020B0004020202020204" pitchFamily="34" charset="0"/>
-              </a:rPr>
-              <a:t>Sentence.Length</a:t>
-            </a:r>
-            <a:r>
               <a:rPr lang="en-IN" sz="1700" dirty="0">
                 <a:latin typeface="Aptos" panose="020B0004020202020204" pitchFamily="34" charset="0"/>
               </a:rPr>
-              <a:t>+</a:t>
+              <a:t>Sentence.Length+</a:t>
             </a:r>
             <a:r>
               <a:rPr lang="el-GR" sz="1700" dirty="0">
@@ -4057,16 +4135,10 @@
               <a:t>β2​⋅</a:t>
             </a:r>
             <a:r>
-              <a:rPr lang="en-IN" sz="1700" dirty="0" err="1">
-                <a:latin typeface="Aptos" panose="020B0004020202020204" pitchFamily="34" charset="0"/>
-              </a:rPr>
-              <a:t>na.position</a:t>
-            </a:r>
-            <a:r>
               <a:rPr lang="en-IN" sz="1700" dirty="0">
                 <a:latin typeface="Aptos" panose="020B0004020202020204" pitchFamily="34" charset="0"/>
               </a:rPr>
-              <a:t>+</a:t>
+              <a:t>na.position+</a:t>
             </a:r>
             <a:r>
               <a:rPr lang="el-GR" sz="1700" dirty="0">
@@ -4075,16 +4147,10 @@
               <a:t>β3​⋅(</a:t>
             </a:r>
             <a:r>
-              <a:rPr lang="en-IN" sz="1700" dirty="0" err="1">
-                <a:latin typeface="Aptos" panose="020B0004020202020204" pitchFamily="34" charset="0"/>
-              </a:rPr>
-              <a:t>Sentence.Length×na.position</a:t>
-            </a:r>
-            <a:r>
               <a:rPr lang="en-IN" sz="1700" dirty="0">
                 <a:latin typeface="Aptos" panose="020B0004020202020204" pitchFamily="34" charset="0"/>
               </a:rPr>
-              <a:t>)</a:t>
+              <a:t>Sentence.Length×na.position)</a:t>
             </a:r>
           </a:p>
           <a:p>
@@ -4095,7 +4161,7 @@
               <a:t>Clause final </a:t>
             </a:r>
             <a:r>
-              <a:rPr lang="en-IN" sz="1700" i="1" dirty="0" err="1">
+              <a:rPr lang="en-IN" sz="1700" i="1" dirty="0">
                 <a:latin typeface="Aptos" panose="020B0004020202020204" pitchFamily="34" charset="0"/>
               </a:rPr>
               <a:t>na</a:t>
@@ -4331,7 +4397,7 @@
                         <a:buNone/>
                       </a:pPr>
                       <a:r>
-                        <a:rPr lang="en-IN" sz="1600">
+                        <a:rPr lang="en-IN" sz="1600" dirty="0">
                           <a:latin typeface="Aptos" panose="020B0004020202020204" pitchFamily="34" charset="0"/>
                         </a:rPr>
                         <a:t>z value</a:t>
@@ -4387,7 +4453,7 @@
                         <a:buNone/>
                       </a:pPr>
                       <a:r>
-                        <a:rPr lang="en-IN" sz="1600">
+                        <a:rPr lang="en-IN" sz="1600" dirty="0">
                           <a:latin typeface="Aptos" panose="020B0004020202020204" pitchFamily="34" charset="0"/>
                         </a:rPr>
                         <a:t>p-value</a:t>
@@ -4450,7 +4516,7 @@
                         <a:buNone/>
                       </a:pPr>
                       <a:r>
-                        <a:rPr lang="en-IN" sz="1600">
+                        <a:rPr lang="en-IN" sz="1600" dirty="0">
                           <a:latin typeface="Aptos" panose="020B0004020202020204" pitchFamily="34" charset="0"/>
                         </a:rPr>
                         <a:t>Intercept</a:t>
@@ -4562,7 +4628,7 @@
                         <a:buNone/>
                       </a:pPr>
                       <a:r>
-                        <a:rPr lang="en-IN" sz="1600">
+                        <a:rPr lang="en-IN" sz="1600" dirty="0">
                           <a:latin typeface="Aptos" panose="020B0004020202020204" pitchFamily="34" charset="0"/>
                         </a:rPr>
                         <a:t>-65.33</a:t>
@@ -4681,14 +4747,11 @@
                         <a:buNone/>
                       </a:pPr>
                       <a:r>
-                        <a:rPr lang="en-IN" sz="1600" dirty="0" err="1">
+                        <a:rPr lang="en-IN" sz="1600" dirty="0">
                           <a:latin typeface="Aptos" panose="020B0004020202020204" pitchFamily="34" charset="0"/>
                         </a:rPr>
                         <a:t>Sentence.Length</a:t>
                       </a:r>
-                      <a:endParaRPr lang="en-IN" sz="1600" dirty="0">
-                        <a:latin typeface="Aptos" panose="020B0004020202020204" pitchFamily="34" charset="0"/>
-                      </a:endParaRPr>
                     </a:p>
                   </a:txBody>
                   <a:tcPr anchor="ctr">
@@ -4852,7 +4915,7 @@
                         <a:buNone/>
                       </a:pPr>
                       <a:r>
-                        <a:rPr lang="en-IN" sz="1600">
+                        <a:rPr lang="en-IN" sz="1600" dirty="0">
                           <a:latin typeface="Aptos" panose="020B0004020202020204" pitchFamily="34" charset="0"/>
                         </a:rPr>
                         <a:t>&lt;2e-16</a:t>
@@ -4915,16 +4978,10 @@
                         <a:buNone/>
                       </a:pPr>
                       <a:r>
-                        <a:rPr lang="en-IN" sz="1600" dirty="0" err="1">
-                          <a:latin typeface="Aptos" panose="020B0004020202020204" pitchFamily="34" charset="0"/>
-                        </a:rPr>
-                        <a:t>Clause.Final</a:t>
-                      </a:r>
-                      <a:r>
                         <a:rPr lang="en-IN" sz="1600" dirty="0">
                           <a:latin typeface="Aptos" panose="020B0004020202020204" pitchFamily="34" charset="0"/>
                         </a:rPr>
-                        <a:t> 1</a:t>
+                        <a:t>Clause.Final 1</a:t>
                       </a:r>
                     </a:p>
                   </a:txBody>
@@ -5033,7 +5090,7 @@
                         <a:buNone/>
                       </a:pPr>
                       <a:r>
-                        <a:rPr lang="en-IN" sz="1600">
+                        <a:rPr lang="en-IN" sz="1600" dirty="0">
                           <a:latin typeface="Aptos" panose="020B0004020202020204" pitchFamily="34" charset="0"/>
                         </a:rPr>
                         <a:t>13.28</a:t>
@@ -5406,7 +5463,7 @@
         </p:blipFill>
         <p:spPr>
           <a:xfrm>
-            <a:off x="7068752" y="2400501"/>
+            <a:off x="7123630" y="2446221"/>
             <a:ext cx="5068370" cy="4009922"/>
           </a:xfrm>
           <a:prstGeom prst="rect">
@@ -5646,62 +5703,35 @@
               <a:rPr lang="en-IN" sz="1700" dirty="0">
                 <a:latin typeface="Aptos" panose="020B0004020202020204" pitchFamily="34" charset="0"/>
               </a:rPr>
-              <a:t>Intercept: baseline for presence of </a:t>
-            </a:r>
+              <a:t>Intercept: baseline for presence of na =1 at sentence length =0</a:t>
+            </a:r>
+          </a:p>
+          <a:p>
             <a:r>
               <a:rPr lang="en-IN" sz="1700" dirty="0" err="1">
                 <a:latin typeface="Aptos" panose="020B0004020202020204" pitchFamily="34" charset="0"/>
               </a:rPr>
+              <a:t>Sentence.length</a:t>
+            </a:r>
+            <a:r>
+              <a:rPr lang="en-IN" sz="1700" dirty="0">
+                <a:latin typeface="Aptos" panose="020B0004020202020204" pitchFamily="34" charset="0"/>
+              </a:rPr>
+              <a:t>: longer sentences increase probability of </a:t>
+            </a:r>
+            <a:r>
+              <a:rPr lang="en-IN" sz="1700" i="1" dirty="0">
+                <a:latin typeface="Aptos" panose="020B0004020202020204" pitchFamily="34" charset="0"/>
+              </a:rPr>
               <a:t>na</a:t>
             </a:r>
+          </a:p>
+          <a:p>
             <a:r>
               <a:rPr lang="en-IN" sz="1700" dirty="0">
                 <a:latin typeface="Aptos" panose="020B0004020202020204" pitchFamily="34" charset="0"/>
               </a:rPr>
-              <a:t> =1 at sentence length =0</a:t>
-            </a:r>
-          </a:p>
-          <a:p>
-            <a:r>
-              <a:rPr lang="en-IN" sz="1700" dirty="0" err="1">
-                <a:latin typeface="Aptos" panose="020B0004020202020204" pitchFamily="34" charset="0"/>
-              </a:rPr>
-              <a:t>Sentence.length</a:t>
-            </a:r>
-            <a:r>
-              <a:rPr lang="en-IN" sz="1700" dirty="0">
-                <a:latin typeface="Aptos" panose="020B0004020202020204" pitchFamily="34" charset="0"/>
-              </a:rPr>
-              <a:t>: longer sentences increase probability of </a:t>
-            </a:r>
-            <a:r>
-              <a:rPr lang="en-IN" sz="1700" i="1" dirty="0" err="1">
-                <a:latin typeface="Aptos" panose="020B0004020202020204" pitchFamily="34" charset="0"/>
-              </a:rPr>
-              <a:t>na</a:t>
-            </a:r>
-            <a:endParaRPr lang="en-IN" sz="1700" i="1" dirty="0">
-              <a:latin typeface="Aptos" panose="020B0004020202020204" pitchFamily="34" charset="0"/>
-            </a:endParaRPr>
-          </a:p>
-          <a:p>
-            <a:r>
-              <a:rPr lang="en-IN" sz="1700" dirty="0">
-                <a:latin typeface="Aptos" panose="020B0004020202020204" pitchFamily="34" charset="0"/>
-              </a:rPr>
-              <a:t>Clause Final </a:t>
-            </a:r>
-            <a:r>
-              <a:rPr lang="en-IN" sz="1700" dirty="0" err="1">
-                <a:latin typeface="Aptos" panose="020B0004020202020204" pitchFamily="34" charset="0"/>
-              </a:rPr>
-              <a:t>na</a:t>
-            </a:r>
-            <a:r>
-              <a:rPr lang="en-IN" sz="1700" dirty="0">
-                <a:latin typeface="Aptos" panose="020B0004020202020204" pitchFamily="34" charset="0"/>
-              </a:rPr>
-              <a:t> is more likely.</a:t>
+              <a:t>Clause Final na is more likely.</a:t>
             </a:r>
           </a:p>
           <a:p>
@@ -7340,10 +7370,9 @@
                         <a:t>With </a:t>
                       </a:r>
                       <a:r>
-                        <a:rPr lang="en-IN" b="0" i="1" dirty="0" err="1"/>
+                        <a:rPr lang="en-IN" b="0" i="1" dirty="0"/>
                         <a:t>na</a:t>
                       </a:r>
-                      <a:endParaRPr lang="en-IN" b="0" i="1" dirty="0"/>
                     </a:p>
                   </a:txBody>
                   <a:tcPr/>
@@ -7403,10 +7432,9 @@
                         <a:t>Without </a:t>
                       </a:r>
                       <a:r>
-                        <a:rPr lang="en-IN" i="1" dirty="0" err="1"/>
+                        <a:rPr lang="en-IN" i="1" dirty="0"/>
                         <a:t>na</a:t>
                       </a:r>
-                      <a:endParaRPr lang="en-IN" i="1" dirty="0"/>
                     </a:p>
                   </a:txBody>
                   <a:tcPr/>
@@ -7636,34 +7664,22 @@
               <a:rPr lang="en-IN" sz="1600" dirty="0">
                 <a:latin typeface="Aptos" panose="020B0004020202020204" pitchFamily="34" charset="0"/>
               </a:rPr>
-              <a:t>DV:	Presence of </a:t>
-            </a:r>
-            <a:r>
-              <a:rPr lang="en-IN" sz="1600" dirty="0" err="1">
+              <a:t>DV:	Presence of na</a:t>
+            </a:r>
+          </a:p>
+          <a:p>
+            <a:r>
+              <a:rPr lang="en-IN" sz="1600" dirty="0">
+                <a:latin typeface="Aptos" panose="020B0004020202020204" pitchFamily="34" charset="0"/>
+              </a:rPr>
+              <a:t>IV: 	Sentence length, Clause final </a:t>
+            </a:r>
+            <a:r>
+              <a:rPr lang="en-IN" sz="1600" i="1" dirty="0">
                 <a:latin typeface="Aptos" panose="020B0004020202020204" pitchFamily="34" charset="0"/>
               </a:rPr>
               <a:t>na</a:t>
             </a:r>
-            <a:endParaRPr lang="en-IN" sz="1600" dirty="0">
-              <a:latin typeface="Aptos" panose="020B0004020202020204" pitchFamily="34" charset="0"/>
-            </a:endParaRPr>
-          </a:p>
-          <a:p>
-            <a:r>
-              <a:rPr lang="en-IN" sz="1600" dirty="0">
-                <a:latin typeface="Aptos" panose="020B0004020202020204" pitchFamily="34" charset="0"/>
-              </a:rPr>
-              <a:t>IV: 	Sentence length, Clause final </a:t>
-            </a:r>
-            <a:r>
-              <a:rPr lang="en-IN" sz="1600" i="1" dirty="0" err="1">
-                <a:latin typeface="Aptos" panose="020B0004020202020204" pitchFamily="34" charset="0"/>
-              </a:rPr>
-              <a:t>na</a:t>
-            </a:r>
-            <a:endParaRPr lang="en-IN" sz="1600" i="1" dirty="0">
-              <a:latin typeface="Aptos" panose="020B0004020202020204" pitchFamily="34" charset="0"/>
-            </a:endParaRPr>
           </a:p>
         </p:txBody>
       </p:sp>
@@ -7841,7 +7857,7 @@
           <a:lstStyle/>
           <a:p>
             <a:r>
-              <a:rPr lang="en-IN" i="1" dirty="0" err="1"/>
+              <a:rPr lang="en-IN" i="1" dirty="0"/>
               <a:t>na</a:t>
             </a:r>
             <a:r>
@@ -8472,14 +8488,11 @@
               <a:t>β0​+β1​⋅</a:t>
             </a:r>
             <a:r>
-              <a:rPr lang="en-IN" dirty="0" err="1">
+              <a:rPr lang="en-IN" dirty="0">
                 <a:latin typeface="Aptos" panose="020B0004020202020204" pitchFamily="34" charset="0"/>
               </a:rPr>
               <a:t>Sentence.Length</a:t>
             </a:r>
-            <a:endParaRPr lang="en-IN" dirty="0">
-              <a:latin typeface="Aptos" panose="020B0004020202020204" pitchFamily="34" charset="0"/>
-            </a:endParaRPr>
           </a:p>
           <a:p>
             <a:endParaRPr lang="en-IN" dirty="0">
